--- a/CalendarioAgo2022/presentaciones/15_POO_Encapsulamiento.pptx
+++ b/CalendarioAgo2022/presentaciones/15_POO_Encapsulamiento.pptx
@@ -9,7 +9,7 @@
   </p:notesMasterIdLst>
   <p:sldIdLst>
     <p:sldId id="293" r:id="rId2"/>
-    <p:sldId id="645" r:id="rId3"/>
+    <p:sldId id="646" r:id="rId3"/>
     <p:sldId id="602" r:id="rId4"/>
     <p:sldId id="603" r:id="rId5"/>
     <p:sldId id="600" r:id="rId6"/>
@@ -215,7 +215,7 @@
           <a:p>
             <a:fld id="{DDE721D5-655F-45D2-B717-3C4CD78C8568}" type="datetimeFigureOut">
               <a:rPr lang="es-MX" smtClean="0"/>
-              <a:t>26/08/2022</a:t>
+              <a:t>27/08/2022</a:t>
             </a:fld>
             <a:endParaRPr lang="es-MX" dirty="0"/>
           </a:p>
@@ -664,7 +664,7 @@
           <a:p>
             <a:fld id="{B3F3E716-CACC-4490-AD07-F24B6A68DE47}" type="datetimeFigureOut">
               <a:rPr lang="es-MX" smtClean="0"/>
-              <a:t>26/08/2022</a:t>
+              <a:t>27/08/2022</a:t>
             </a:fld>
             <a:endParaRPr lang="es-MX" dirty="0"/>
           </a:p>
@@ -834,7 +834,7 @@
           <a:p>
             <a:fld id="{B3F3E716-CACC-4490-AD07-F24B6A68DE47}" type="datetimeFigureOut">
               <a:rPr lang="es-MX" smtClean="0"/>
-              <a:t>26/08/2022</a:t>
+              <a:t>27/08/2022</a:t>
             </a:fld>
             <a:endParaRPr lang="es-MX" dirty="0"/>
           </a:p>
@@ -1014,7 +1014,7 @@
           <a:p>
             <a:fld id="{B3F3E716-CACC-4490-AD07-F24B6A68DE47}" type="datetimeFigureOut">
               <a:rPr lang="es-MX" smtClean="0"/>
-              <a:t>26/08/2022</a:t>
+              <a:t>27/08/2022</a:t>
             </a:fld>
             <a:endParaRPr lang="es-MX" dirty="0"/>
           </a:p>
@@ -1167,7 +1167,7 @@
           <a:p>
             <a:fld id="{1D8BD707-D9CF-40AE-B4C6-C98DA3205C09}" type="datetimeFigureOut">
               <a:rPr lang="en-US" smtClean="0"/>
-              <a:t>8/26/2022</a:t>
+              <a:t>8/27/2022</a:t>
             </a:fld>
             <a:endParaRPr lang="en-US" dirty="0"/>
           </a:p>
@@ -1505,7 +1505,7 @@
     </p:spTree>
     <p:extLst>
       <p:ext uri="{BB962C8B-B14F-4D97-AF65-F5344CB8AC3E}">
-        <p14:creationId xmlns:p14="http://schemas.microsoft.com/office/powerpoint/2010/main" val="1425442998"/>
+        <p14:creationId xmlns:p14="http://schemas.microsoft.com/office/powerpoint/2010/main" val="2072216107"/>
       </p:ext>
     </p:extLst>
   </p:cSld>
@@ -1624,7 +1624,7 @@
           <a:p>
             <a:fld id="{B3F3E716-CACC-4490-AD07-F24B6A68DE47}" type="datetimeFigureOut">
               <a:rPr lang="es-MX" smtClean="0"/>
-              <a:t>26/08/2022</a:t>
+              <a:t>27/08/2022</a:t>
             </a:fld>
             <a:endParaRPr lang="es-MX" dirty="0"/>
           </a:p>
@@ -1870,7 +1870,7 @@
           <a:p>
             <a:fld id="{B3F3E716-CACC-4490-AD07-F24B6A68DE47}" type="datetimeFigureOut">
               <a:rPr lang="es-MX" smtClean="0"/>
-              <a:t>26/08/2022</a:t>
+              <a:t>27/08/2022</a:t>
             </a:fld>
             <a:endParaRPr lang="es-MX" dirty="0"/>
           </a:p>
@@ -2158,7 +2158,7 @@
           <a:p>
             <a:fld id="{B3F3E716-CACC-4490-AD07-F24B6A68DE47}" type="datetimeFigureOut">
               <a:rPr lang="es-MX" smtClean="0"/>
-              <a:t>26/08/2022</a:t>
+              <a:t>27/08/2022</a:t>
             </a:fld>
             <a:endParaRPr lang="es-MX" dirty="0"/>
           </a:p>
@@ -2580,7 +2580,7 @@
           <a:p>
             <a:fld id="{B3F3E716-CACC-4490-AD07-F24B6A68DE47}" type="datetimeFigureOut">
               <a:rPr lang="es-MX" smtClean="0"/>
-              <a:t>26/08/2022</a:t>
+              <a:t>27/08/2022</a:t>
             </a:fld>
             <a:endParaRPr lang="es-MX" dirty="0"/>
           </a:p>
@@ -2698,7 +2698,7 @@
           <a:p>
             <a:fld id="{B3F3E716-CACC-4490-AD07-F24B6A68DE47}" type="datetimeFigureOut">
               <a:rPr lang="es-MX" smtClean="0"/>
-              <a:t>26/08/2022</a:t>
+              <a:t>27/08/2022</a:t>
             </a:fld>
             <a:endParaRPr lang="es-MX" dirty="0"/>
           </a:p>
@@ -2793,7 +2793,7 @@
           <a:p>
             <a:fld id="{B3F3E716-CACC-4490-AD07-F24B6A68DE47}" type="datetimeFigureOut">
               <a:rPr lang="es-MX" smtClean="0"/>
-              <a:t>26/08/2022</a:t>
+              <a:t>27/08/2022</a:t>
             </a:fld>
             <a:endParaRPr lang="es-MX" dirty="0"/>
           </a:p>
@@ -3070,7 +3070,7 @@
           <a:p>
             <a:fld id="{B3F3E716-CACC-4490-AD07-F24B6A68DE47}" type="datetimeFigureOut">
               <a:rPr lang="es-MX" smtClean="0"/>
-              <a:t>26/08/2022</a:t>
+              <a:t>27/08/2022</a:t>
             </a:fld>
             <a:endParaRPr lang="es-MX" dirty="0"/>
           </a:p>
@@ -3323,7 +3323,7 @@
           <a:p>
             <a:fld id="{B3F3E716-CACC-4490-AD07-F24B6A68DE47}" type="datetimeFigureOut">
               <a:rPr lang="es-MX" smtClean="0"/>
-              <a:t>26/08/2022</a:t>
+              <a:t>27/08/2022</a:t>
             </a:fld>
             <a:endParaRPr lang="es-MX" dirty="0"/>
           </a:p>
@@ -3536,7 +3536,7 @@
           <a:p>
             <a:fld id="{B3F3E716-CACC-4490-AD07-F24B6A68DE47}" type="datetimeFigureOut">
               <a:rPr lang="es-MX" smtClean="0"/>
-              <a:t>26/08/2022</a:t>
+              <a:t>27/08/2022</a:t>
             </a:fld>
             <a:endParaRPr lang="es-MX" dirty="0"/>
           </a:p>
@@ -4009,7 +4009,7 @@
                   </a:schemeClr>
                 </a:solidFill>
               </a:rPr>
-              <a:t>Python orientado a objetos: Ocultamiento o encapsulamiento</a:t>
+              <a:t>Python orientado a objetos: Encapsulamiento</a:t>
             </a:r>
           </a:p>
           <a:p>
@@ -4135,7 +4135,7 @@
                 </a:effectLst>
                 <a:latin typeface="Dom Casual" charset="0"/>
               </a:rPr>
-              <a:t>Ocultamiento</a:t>
+              <a:t>Encapsulación</a:t>
             </a:r>
           </a:p>
         </p:txBody>
@@ -4156,8 +4156,8 @@
         </p:nvSpPr>
         <p:spPr>
           <a:xfrm>
-            <a:off x="925513" y="1143001"/>
-            <a:ext cx="7292974" cy="2514599"/>
+            <a:off x="925512" y="1238250"/>
+            <a:ext cx="7390903" cy="1470670"/>
           </a:xfrm>
           <a:prstGeom prst="rect">
             <a:avLst/>
@@ -4305,13 +4305,14 @@
             </a:lvl9pPr>
           </a:lstStyle>
           <a:p>
-            <a:pPr algn="just">
+            <a:pPr marL="0" indent="0" algn="just">
               <a:lnSpc>
                 <a:spcPct val="150000"/>
               </a:lnSpc>
               <a:spcBef>
                 <a:spcPct val="0"/>
               </a:spcBef>
+              <a:buNone/>
             </a:pPr>
             <a:endParaRPr lang="es-ES_tradnl" altLang="es-MX" sz="1400" dirty="0">
               <a:solidFill>
@@ -4323,19 +4324,17 @@
             </a:endParaRPr>
           </a:p>
           <a:p>
-            <a:pPr algn="just">
+            <a:pPr marL="0" indent="0" algn="just">
               <a:lnSpc>
                 <a:spcPct val="150000"/>
               </a:lnSpc>
               <a:spcBef>
                 <a:spcPct val="0"/>
               </a:spcBef>
-              <a:spcAft>
-                <a:spcPts val="600"/>
-              </a:spcAft>
+              <a:buNone/>
             </a:pPr>
             <a:r>
-              <a:rPr lang="es-ES_tradnl" altLang="es-MX" sz="1400" dirty="0">
+              <a:rPr lang="es-ES" altLang="es-MX" sz="1600" dirty="0">
                 <a:solidFill>
                   <a:schemeClr val="bg2">
                     <a:lumMod val="10000"/>
@@ -4343,10 +4342,10 @@
                 </a:solidFill>
                 <a:latin typeface="Dom Casual" charset="0"/>
               </a:rPr>
-              <a:t>Se </a:t>
-            </a:r>
-            <a:r>
-              <a:rPr lang="es-ES_tradnl" altLang="es-MX" sz="1400" b="1" dirty="0">
+              <a:t>La técnica de </a:t>
+            </a:r>
+            <a:r>
+              <a:rPr lang="es-ES" altLang="es-MX" sz="1600" b="1" dirty="0">
                 <a:solidFill>
                   <a:schemeClr val="accent6">
                     <a:lumMod val="75000"/>
@@ -4354,10 +4353,10 @@
                 </a:solidFill>
                 <a:latin typeface="Dom Casual" charset="0"/>
               </a:rPr>
-              <a:t>ocultan atributos y métodos </a:t>
-            </a:r>
-            <a:r>
-              <a:rPr lang="es-ES_tradnl" altLang="es-MX" sz="1400" dirty="0">
+              <a:t>encapsulación</a:t>
+            </a:r>
+            <a:r>
+              <a:rPr lang="es-ES" altLang="es-MX" sz="1600" dirty="0">
                 <a:solidFill>
                   <a:schemeClr val="bg2">
                     <a:lumMod val="10000"/>
@@ -4365,10 +4364,10 @@
                 </a:solidFill>
                 <a:latin typeface="Dom Casual" charset="0"/>
               </a:rPr>
-              <a:t>que sólo se van a usar dentro de la propia </a:t>
-            </a:r>
-            <a:r>
-              <a:rPr lang="es-ES_tradnl" altLang="es-MX" sz="1400" b="1" dirty="0">
+              <a:t>, es conocida como </a:t>
+            </a:r>
+            <a:r>
+              <a:rPr lang="es-ES" altLang="es-MX" sz="1600" b="1" dirty="0">
                 <a:solidFill>
                   <a:schemeClr val="bg2">
                     <a:lumMod val="10000"/>
@@ -4376,10 +4375,10 @@
                 </a:solidFill>
                 <a:latin typeface="Dom Casual" charset="0"/>
               </a:rPr>
-              <a:t>clase </a:t>
-            </a:r>
-            <a:r>
-              <a:rPr lang="es-ES_tradnl" altLang="es-MX" sz="1400" dirty="0">
+              <a:t>ocultación de datos</a:t>
+            </a:r>
+            <a:r>
+              <a:rPr lang="es-ES" altLang="es-MX" sz="1600" dirty="0">
                 <a:solidFill>
                   <a:schemeClr val="bg2">
                     <a:lumMod val="10000"/>
@@ -4387,23 +4386,10 @@
                 </a:solidFill>
                 <a:latin typeface="Dom Casual" charset="0"/>
               </a:rPr>
-              <a:t>y no desde otros objetos (no deben ser accesibles desde otros objetos). </a:t>
-            </a:r>
-          </a:p>
-          <a:p>
-            <a:pPr algn="just">
-              <a:lnSpc>
-                <a:spcPct val="150000"/>
-              </a:lnSpc>
-              <a:spcBef>
-                <a:spcPct val="0"/>
-              </a:spcBef>
-              <a:spcAft>
-                <a:spcPts val="600"/>
-              </a:spcAft>
-            </a:pPr>
-            <a:r>
-              <a:rPr lang="es-ES_tradnl" altLang="es-MX" sz="1400" dirty="0">
+              <a:t>, le permite que los </a:t>
+            </a:r>
+            <a:r>
+              <a:rPr lang="es-ES" altLang="es-MX" sz="1600" b="1" dirty="0">
                 <a:solidFill>
                   <a:schemeClr val="bg2">
                     <a:lumMod val="10000"/>
@@ -4411,23 +4397,10 @@
                 </a:solidFill>
                 <a:latin typeface="Dom Casual" charset="0"/>
               </a:rPr>
-              <a:t>No queremos que algunos objetos accedan a algún atributo o un método de una clase, para evitar alguna modificación accidental o indebida.</a:t>
-            </a:r>
-          </a:p>
-          <a:p>
-            <a:pPr algn="just">
-              <a:lnSpc>
-                <a:spcPct val="150000"/>
-              </a:lnSpc>
-              <a:spcBef>
-                <a:spcPct val="0"/>
-              </a:spcBef>
-              <a:spcAft>
-                <a:spcPts val="600"/>
-              </a:spcAft>
-            </a:pPr>
-            <a:r>
-              <a:rPr lang="es-ES_tradnl" altLang="es-MX" sz="1400" dirty="0">
+              <a:t>atributos de un objeto </a:t>
+            </a:r>
+            <a:r>
+              <a:rPr lang="es-ES" altLang="es-MX" sz="1600" dirty="0">
                 <a:solidFill>
                   <a:schemeClr val="bg2">
                     <a:lumMod val="10000"/>
@@ -4435,8 +4408,16 @@
                 </a:solidFill>
                 <a:latin typeface="Dom Casual" charset="0"/>
               </a:rPr>
-              <a:t>Permite esconder detalles de implementación de los datos.</a:t>
-            </a:r>
+              <a:t>pueden ocultarse (superficialmente) para que no sean accedidos desde fuera de la definición de una clase.</a:t>
+            </a:r>
+            <a:endParaRPr lang="es-ES_tradnl" altLang="es-MX" sz="1600" dirty="0">
+              <a:solidFill>
+                <a:schemeClr val="bg2">
+                  <a:lumMod val="10000"/>
+                </a:schemeClr>
+              </a:solidFill>
+              <a:latin typeface="Dom Casual" charset="0"/>
+            </a:endParaRPr>
           </a:p>
         </p:txBody>
       </p:sp>
@@ -4445,7 +4426,7 @@
           <p:cNvPr id="3" name="Imagen 2">
             <a:extLst>
               <a:ext uri="{FF2B5EF4-FFF2-40B4-BE49-F238E27FC236}">
-                <a16:creationId xmlns:a16="http://schemas.microsoft.com/office/drawing/2014/main" id="{48CFBE02-5EFB-48E3-98C1-3CFA52191398}"/>
+                <a16:creationId xmlns:a16="http://schemas.microsoft.com/office/drawing/2014/main" id="{630FF934-A9A5-42D2-AB01-2F33DAA193C4}"/>
               </a:ext>
             </a:extLst>
           </p:cNvPr>
@@ -4462,8 +4443,8 @@
         </p:blipFill>
         <p:spPr>
           <a:xfrm>
-            <a:off x="5652120" y="3663281"/>
-            <a:ext cx="2085975" cy="2514600"/>
+            <a:off x="2051720" y="3059236"/>
+            <a:ext cx="5400675" cy="3209925"/>
           </a:xfrm>
           <a:prstGeom prst="rect">
             <a:avLst/>
@@ -4473,7 +4454,7 @@
     </p:spTree>
     <p:extLst>
       <p:ext uri="{BB962C8B-B14F-4D97-AF65-F5344CB8AC3E}">
-        <p14:creationId xmlns:p14="http://schemas.microsoft.com/office/powerpoint/2010/main" val="1943725623"/>
+        <p14:creationId xmlns:p14="http://schemas.microsoft.com/office/powerpoint/2010/main" val="3312662471"/>
       </p:ext>
     </p:extLst>
   </p:cSld>
@@ -4577,8 +4558,8 @@
         </p:nvSpPr>
         <p:spPr>
           <a:xfrm>
-            <a:off x="179512" y="889323"/>
-            <a:ext cx="8640960" cy="707501"/>
+            <a:off x="395536" y="889323"/>
+            <a:ext cx="8424936" cy="1028102"/>
           </a:xfrm>
           <a:prstGeom prst="rect">
             <a:avLst/>
@@ -4631,7 +4612,7 @@
         </p:nvSpPr>
         <p:spPr>
           <a:xfrm>
-            <a:off x="251520" y="1796879"/>
+            <a:off x="251520" y="2060848"/>
             <a:ext cx="8496944" cy="1989904"/>
           </a:xfrm>
           <a:prstGeom prst="rect">
@@ -4746,7 +4727,7 @@
         </p:blipFill>
         <p:spPr>
           <a:xfrm>
-            <a:off x="611560" y="4005064"/>
+            <a:off x="611560" y="4269033"/>
             <a:ext cx="6191250" cy="2085975"/>
           </a:xfrm>
           <a:prstGeom prst="rect">
@@ -4768,7 +4749,7 @@
         </p:nvSpPr>
         <p:spPr>
           <a:xfrm>
-            <a:off x="1402928" y="4437112"/>
+            <a:off x="1402928" y="4701081"/>
             <a:ext cx="2304257" cy="288032"/>
           </a:xfrm>
           <a:prstGeom prst="rect">
